--- a/ppt/智能制造质量预测.pptx
+++ b/ppt/智能制造质量预测.pptx
@@ -45,35 +45,35 @@
       <p:regular r:id="rId33"/>
     </p:embeddedFont>
     <p:embeddedFont>
-      <p:font typeface="华文中宋" panose="02010600040101010101" pitchFamily="2" charset="-122"/>
+      <p:font typeface="Abadi" panose="020B0604020104020204" pitchFamily="34" charset="0"/>
       <p:regular r:id="rId34"/>
     </p:embeddedFont>
     <p:embeddedFont>
-      <p:font typeface="Abadi" panose="020B0604020104020204" pitchFamily="34" charset="0"/>
+      <p:font typeface="Cambria Math" panose="02040503050406030204" pitchFamily="18" charset="0"/>
       <p:regular r:id="rId35"/>
     </p:embeddedFont>
     <p:embeddedFont>
-      <p:font typeface="Cambria Math" panose="02040503050406030204" pitchFamily="18" charset="0"/>
+      <p:font typeface="Tw Cen MT" panose="020B0602020104020603" pitchFamily="34" charset="0"/>
       <p:regular r:id="rId36"/>
-    </p:embeddedFont>
-    <p:embeddedFont>
-      <p:font typeface="Tw Cen MT" panose="020B0602020104020603" pitchFamily="34" charset="0"/>
-      <p:regular r:id="rId37"/>
-      <p:bold r:id="rId38"/>
-      <p:italic r:id="rId39"/>
-      <p:boldItalic r:id="rId40"/>
+      <p:bold r:id="rId37"/>
+      <p:italic r:id="rId38"/>
+      <p:boldItalic r:id="rId39"/>
     </p:embeddedFont>
     <p:embeddedFont>
       <p:font typeface="Tw Cen MT Condensed Extra Bold" panose="020B0803020202020204" pitchFamily="34" charset="0"/>
-      <p:regular r:id="rId41"/>
+      <p:regular r:id="rId40"/>
     </p:embeddedFont>
     <p:embeddedFont>
       <p:font typeface="等线" panose="02010600030101010101" pitchFamily="2" charset="-122"/>
-      <p:regular r:id="rId42"/>
-      <p:bold r:id="rId43"/>
+      <p:regular r:id="rId41"/>
+      <p:bold r:id="rId42"/>
     </p:embeddedFont>
     <p:embeddedFont>
       <p:font typeface="等线 Light" panose="02010600030101010101" pitchFamily="2" charset="-122"/>
+      <p:regular r:id="rId43"/>
+    </p:embeddedFont>
+    <p:embeddedFont>
+      <p:font typeface="华文中宋" panose="02010600040101010101" pitchFamily="2" charset="-122"/>
       <p:regular r:id="rId44"/>
     </p:embeddedFont>
     <p:embeddedFont>
@@ -3479,7 +3479,7 @@
         <p:spPr>
           <a:xfrm>
             <a:off x="648833" y="675318"/>
-            <a:ext cx="612668" cy="307777"/>
+            <a:ext cx="599331" cy="307777"/>
           </a:xfrm>
           <a:prstGeom prst="rect">
             <a:avLst/>
@@ -3509,6 +3509,16 @@
               <a:tabLst/>
               <a:defRPr/>
             </a:pPr>
+            <a:r>
+              <a:rPr lang="en-US" altLang="zh-CN" sz="1400" b="1" dirty="0">
+                <a:solidFill>
+                  <a:prstClr val="black"/>
+                </a:solidFill>
+                <a:latin typeface="微软雅黑" panose="020B0503020204020204" pitchFamily="34" charset="-122"/>
+                <a:ea typeface="微软雅黑" panose="020B0503020204020204" pitchFamily="34" charset="-122"/>
+              </a:rPr>
+              <a:t>Nov</a:t>
+            </a:r>
             <a:r>
               <a:rPr kumimoji="0" lang="en-US" altLang="zh-CN" sz="1400" b="1" i="0" u="none" strike="noStrike" kern="1200" cap="none" spc="0" normalizeH="0" baseline="0" noProof="0" dirty="0">
                 <a:ln>
@@ -3524,7 +3534,7 @@
                 <a:ea typeface="微软雅黑" panose="020B0503020204020204" pitchFamily="34" charset="-122"/>
                 <a:cs typeface="+mn-cs"/>
               </a:rPr>
-              <a:t>JUN.</a:t>
+              <a:t>.</a:t>
             </a:r>
             <a:endParaRPr kumimoji="0" lang="zh-CN" altLang="en-US" sz="1400" b="1" i="0" u="none" strike="noStrike" kern="1200" cap="none" spc="0" normalizeH="0" baseline="0" noProof="0" dirty="0">
               <a:ln>
@@ -3589,21 +3599,14 @@
               <a:defRPr/>
             </a:pPr>
             <a:r>
-              <a:rPr kumimoji="0" lang="en-US" altLang="zh-CN" sz="2400" b="1" i="0" u="none" strike="noStrike" kern="1200" cap="none" spc="0" normalizeH="0" baseline="0" noProof="0" dirty="0">
-                <a:ln>
-                  <a:noFill/>
-                </a:ln>
+              <a:rPr lang="en-US" altLang="zh-CN" sz="2400" b="1" dirty="0">
                 <a:solidFill>
                   <a:prstClr val="black"/>
                 </a:solidFill>
-                <a:effectLst/>
-                <a:uLnTx/>
-                <a:uFillTx/>
                 <a:latin typeface="微软雅黑" panose="020B0503020204020204" pitchFamily="34" charset="-122"/>
                 <a:ea typeface="微软雅黑" panose="020B0503020204020204" pitchFamily="34" charset="-122"/>
-                <a:cs typeface="+mn-cs"/>
               </a:rPr>
-              <a:t>13</a:t>
+              <a:t>08</a:t>
             </a:r>
             <a:endParaRPr kumimoji="0" lang="zh-CN" altLang="en-US" sz="2400" b="1" i="0" u="none" strike="noStrike" kern="1200" cap="none" spc="0" normalizeH="0" baseline="0" noProof="0" dirty="0">
               <a:ln>
@@ -3788,8 +3791,8 @@
         </p:nvSpPr>
         <p:spPr>
           <a:xfrm>
-            <a:off x="8784762" y="6047343"/>
-            <a:ext cx="3407238" cy="369332"/>
+            <a:off x="9357972" y="5542268"/>
+            <a:ext cx="2246653" cy="874407"/>
           </a:xfrm>
           <a:prstGeom prst="rect">
             <a:avLst/>
@@ -3802,9 +3805,9 @@
           </a:bodyPr>
           <a:lstStyle/>
           <a:p>
-            <a:pPr marL="285750" marR="0" lvl="0" indent="-285750" algn="ctr" defTabSz="914400" rtl="0" eaLnBrk="1" fontAlgn="auto" latinLnBrk="0" hangingPunct="1">
+            <a:pPr marR="0" lvl="0" defTabSz="914400" rtl="0" eaLnBrk="1" fontAlgn="auto" latinLnBrk="0" hangingPunct="1">
               <a:lnSpc>
-                <a:spcPct val="100000"/>
+                <a:spcPct val="150000"/>
               </a:lnSpc>
               <a:spcBef>
                 <a:spcPts val="0"/>
@@ -3814,8 +3817,47 @@
               </a:spcAft>
               <a:buClrTx/>
               <a:buSzTx/>
-              <a:buFont typeface="Wingdings" panose="05000000000000000000" pitchFamily="2" charset="2"/>
-              <a:buChar char="p"/>
+              <a:tabLst/>
+              <a:defRPr/>
+            </a:pPr>
+            <a:r>
+              <a:rPr lang="zh-CN" altLang="en-US" b="1" dirty="0">
+                <a:solidFill>
+                  <a:prstClr val="black"/>
+                </a:solidFill>
+                <a:latin typeface="微软雅黑" panose="020B0503020204020204" pitchFamily="34" charset="-122"/>
+                <a:ea typeface="微软雅黑" panose="020B0503020204020204" pitchFamily="34" charset="-122"/>
+              </a:rPr>
+              <a:t>队长：张庆伟</a:t>
+            </a:r>
+            <a:endParaRPr kumimoji="0" lang="en-US" altLang="zh-CN" sz="1800" b="1" i="0" u="none" strike="noStrike" kern="1200" cap="none" spc="0" normalizeH="0" baseline="0" noProof="0" dirty="0">
+              <a:ln>
+                <a:noFill/>
+              </a:ln>
+              <a:solidFill>
+                <a:prstClr val="black"/>
+              </a:solidFill>
+              <a:effectLst/>
+              <a:uLnTx/>
+              <a:uFillTx/>
+              <a:latin typeface="微软雅黑" panose="020B0503020204020204" pitchFamily="34" charset="-122"/>
+              <a:ea typeface="微软雅黑" panose="020B0503020204020204" pitchFamily="34" charset="-122"/>
+              <a:cs typeface="+mn-cs"/>
+            </a:endParaRPr>
+          </a:p>
+          <a:p>
+            <a:pPr marR="0" lvl="0" defTabSz="914400" rtl="0" eaLnBrk="1" fontAlgn="auto" latinLnBrk="0" hangingPunct="1">
+              <a:lnSpc>
+                <a:spcPct val="150000"/>
+              </a:lnSpc>
+              <a:spcBef>
+                <a:spcPts val="0"/>
+              </a:spcBef>
+              <a:spcAft>
+                <a:spcPts val="0"/>
+              </a:spcAft>
+              <a:buClrTx/>
+              <a:buSzTx/>
               <a:tabLst/>
               <a:defRPr/>
             </a:pPr>
@@ -3834,32 +3876,8 @@
                 <a:ea typeface="微软雅黑" panose="020B0503020204020204" pitchFamily="34" charset="-122"/>
                 <a:cs typeface="+mn-cs"/>
               </a:rPr>
-              <a:t>葛涛 刘祥盛 </a:t>
+              <a:t>组员：葛涛 刘祥盛</a:t>
             </a:r>
-            <a:r>
-              <a:rPr lang="zh-CN" altLang="en-US" b="1">
-                <a:solidFill>
-                  <a:prstClr val="black"/>
-                </a:solidFill>
-                <a:latin typeface="微软雅黑" panose="020B0503020204020204" pitchFamily="34" charset="-122"/>
-                <a:ea typeface="微软雅黑" panose="020B0503020204020204" pitchFamily="34" charset="-122"/>
-              </a:rPr>
-              <a:t>张庆伟</a:t>
-            </a:r>
-            <a:endParaRPr kumimoji="0" lang="zh-CN" altLang="en-US" sz="1800" b="1" i="0" u="none" strike="noStrike" kern="1200" cap="none" spc="0" normalizeH="0" baseline="0" noProof="0" dirty="0">
-              <a:ln>
-                <a:noFill/>
-              </a:ln>
-              <a:solidFill>
-                <a:prstClr val="black"/>
-              </a:solidFill>
-              <a:effectLst/>
-              <a:uLnTx/>
-              <a:uFillTx/>
-              <a:latin typeface="微软雅黑" panose="020B0503020204020204" pitchFamily="34" charset="-122"/>
-              <a:ea typeface="微软雅黑" panose="020B0503020204020204" pitchFamily="34" charset="-122"/>
-              <a:cs typeface="+mn-cs"/>
-            </a:endParaRPr>
           </a:p>
         </p:txBody>
       </p:sp>
@@ -3873,13 +3891,13 @@
   <p:clrMapOvr>
     <a:overrideClrMapping bg1="lt1" tx1="dk1" bg2="lt2" tx2="dk2" accent1="accent1" accent2="accent2" accent3="accent3" accent4="accent4" accent5="accent5" accent6="accent6" hlink="hlink" folHlink="folHlink"/>
   </p:clrMapOvr>
-  <mc:AlternateContent xmlns:mc="http://schemas.openxmlformats.org/markup-compatibility/2006">
-    <mc:Choice xmlns:p14="http://schemas.microsoft.com/office/powerpoint/2010/main" Requires="p14">
+  <mc:AlternateContent xmlns:mc="http://schemas.openxmlformats.org/markup-compatibility/2006" xmlns:p14="http://schemas.microsoft.com/office/powerpoint/2010/main">
+    <mc:Choice Requires="p14">
       <p:transition spd="slow" p14:dur="1300">
         <p14:pan dir="u"/>
       </p:transition>
     </mc:Choice>
-    <mc:Fallback>
+    <mc:Fallback xmlns="">
       <p:transition spd="slow">
         <p:fade/>
       </p:transition>
@@ -4415,13 +4433,13 @@
   <p:clrMapOvr>
     <a:masterClrMapping/>
   </p:clrMapOvr>
-  <mc:AlternateContent xmlns:mc="http://schemas.openxmlformats.org/markup-compatibility/2006">
-    <mc:Choice xmlns:p14="http://schemas.microsoft.com/office/powerpoint/2010/main" Requires="p14">
+  <mc:AlternateContent xmlns:mc="http://schemas.openxmlformats.org/markup-compatibility/2006" xmlns:p14="http://schemas.microsoft.com/office/powerpoint/2010/main">
+    <mc:Choice Requires="p14">
       <p:transition spd="slow" p14:dur="1300">
         <p14:pan dir="u"/>
       </p:transition>
     </mc:Choice>
-    <mc:Fallback>
+    <mc:Fallback xmlns="">
       <p:transition spd="slow">
         <p:fade/>
       </p:transition>
@@ -4794,13 +4812,13 @@
   <p:clrMapOvr>
     <a:masterClrMapping/>
   </p:clrMapOvr>
-  <mc:AlternateContent xmlns:mc="http://schemas.openxmlformats.org/markup-compatibility/2006">
-    <mc:Choice xmlns:p14="http://schemas.microsoft.com/office/powerpoint/2010/main" Requires="p14">
+  <mc:AlternateContent xmlns:mc="http://schemas.openxmlformats.org/markup-compatibility/2006" xmlns:p14="http://schemas.microsoft.com/office/powerpoint/2010/main">
+    <mc:Choice Requires="p14">
       <p:transition spd="slow" p14:dur="1300">
         <p14:pan dir="u"/>
       </p:transition>
     </mc:Choice>
-    <mc:Fallback>
+    <mc:Fallback xmlns="">
       <p:transition spd="slow">
         <p:fade/>
       </p:transition>
@@ -6548,13 +6566,13 @@
   <p:clrMapOvr>
     <a:masterClrMapping/>
   </p:clrMapOvr>
-  <mc:AlternateContent xmlns:mc="http://schemas.openxmlformats.org/markup-compatibility/2006">
-    <mc:Choice xmlns:p14="http://schemas.microsoft.com/office/powerpoint/2010/main" Requires="p14">
+  <mc:AlternateContent xmlns:mc="http://schemas.openxmlformats.org/markup-compatibility/2006" xmlns:p14="http://schemas.microsoft.com/office/powerpoint/2010/main">
+    <mc:Choice Requires="p14">
       <p:transition spd="slow" p14:dur="1300">
         <p14:pan dir="u"/>
       </p:transition>
     </mc:Choice>
-    <mc:Fallback>
+    <mc:Fallback xmlns="">
       <p:transition spd="slow">
         <p:fade/>
       </p:transition>
@@ -7899,13 +7917,13 @@
   <p:clrMapOvr>
     <a:masterClrMapping/>
   </p:clrMapOvr>
-  <mc:AlternateContent xmlns:mc="http://schemas.openxmlformats.org/markup-compatibility/2006">
-    <mc:Choice xmlns:p14="http://schemas.microsoft.com/office/powerpoint/2010/main" Requires="p14">
+  <mc:AlternateContent xmlns:mc="http://schemas.openxmlformats.org/markup-compatibility/2006" xmlns:p14="http://schemas.microsoft.com/office/powerpoint/2010/main">
+    <mc:Choice Requires="p14">
       <p:transition spd="slow" p14:dur="1300">
         <p14:pan dir="u"/>
       </p:transition>
     </mc:Choice>
-    <mc:Fallback>
+    <mc:Fallback xmlns="">
       <p:transition spd="slow">
         <p:fade/>
       </p:transition>
@@ -8513,13 +8531,13 @@
   <p:clrMapOvr>
     <a:masterClrMapping/>
   </p:clrMapOvr>
-  <mc:AlternateContent xmlns:mc="http://schemas.openxmlformats.org/markup-compatibility/2006">
-    <mc:Choice xmlns:p14="http://schemas.microsoft.com/office/powerpoint/2010/main" Requires="p14">
+  <mc:AlternateContent xmlns:mc="http://schemas.openxmlformats.org/markup-compatibility/2006" xmlns:p14="http://schemas.microsoft.com/office/powerpoint/2010/main">
+    <mc:Choice Requires="p14">
       <p:transition spd="slow" p14:dur="1300">
         <p14:pan dir="u"/>
       </p:transition>
     </mc:Choice>
-    <mc:Fallback>
+    <mc:Fallback xmlns="">
       <p:transition spd="slow">
         <p:fade/>
       </p:transition>
@@ -9442,13 +9460,13 @@
   <p:clrMapOvr>
     <a:masterClrMapping/>
   </p:clrMapOvr>
-  <mc:AlternateContent xmlns:mc="http://schemas.openxmlformats.org/markup-compatibility/2006">
-    <mc:Choice xmlns:p14="http://schemas.microsoft.com/office/powerpoint/2010/main" Requires="p14">
+  <mc:AlternateContent xmlns:mc="http://schemas.openxmlformats.org/markup-compatibility/2006" xmlns:p14="http://schemas.microsoft.com/office/powerpoint/2010/main">
+    <mc:Choice Requires="p14">
       <p:transition spd="slow" p14:dur="1300">
         <p14:pan dir="u"/>
       </p:transition>
     </mc:Choice>
-    <mc:Fallback>
+    <mc:Fallback xmlns="">
       <p:transition spd="slow">
         <p:fade/>
       </p:transition>
@@ -10602,13 +10620,13 @@
   <p:clrMapOvr>
     <a:masterClrMapping/>
   </p:clrMapOvr>
-  <mc:AlternateContent xmlns:mc="http://schemas.openxmlformats.org/markup-compatibility/2006">
-    <mc:Choice xmlns:p14="http://schemas.microsoft.com/office/powerpoint/2010/main" Requires="p14">
+  <mc:AlternateContent xmlns:mc="http://schemas.openxmlformats.org/markup-compatibility/2006" xmlns:p14="http://schemas.microsoft.com/office/powerpoint/2010/main">
+    <mc:Choice Requires="p14">
       <p:transition spd="slow" p14:dur="1300">
         <p14:pan dir="u"/>
       </p:transition>
     </mc:Choice>
-    <mc:Fallback>
+    <mc:Fallback xmlns="">
       <p:transition spd="slow">
         <p:fade/>
       </p:transition>
@@ -11201,13 +11219,13 @@
   <p:clrMapOvr>
     <a:masterClrMapping/>
   </p:clrMapOvr>
-  <mc:AlternateContent xmlns:mc="http://schemas.openxmlformats.org/markup-compatibility/2006">
-    <mc:Choice xmlns:p14="http://schemas.microsoft.com/office/powerpoint/2010/main" Requires="p14">
+  <mc:AlternateContent xmlns:mc="http://schemas.openxmlformats.org/markup-compatibility/2006" xmlns:p14="http://schemas.microsoft.com/office/powerpoint/2010/main">
+    <mc:Choice Requires="p14">
       <p:transition spd="slow" p14:dur="1300">
         <p14:pan dir="u"/>
       </p:transition>
     </mc:Choice>
-    <mc:Fallback>
+    <mc:Fallback xmlns="">
       <p:transition spd="slow">
         <p:fade/>
       </p:transition>
@@ -12955,13 +12973,13 @@
   <p:clrMapOvr>
     <a:masterClrMapping/>
   </p:clrMapOvr>
-  <mc:AlternateContent xmlns:mc="http://schemas.openxmlformats.org/markup-compatibility/2006">
-    <mc:Choice xmlns:p14="http://schemas.microsoft.com/office/powerpoint/2010/main" Requires="p14">
+  <mc:AlternateContent xmlns:mc="http://schemas.openxmlformats.org/markup-compatibility/2006" xmlns:p14="http://schemas.microsoft.com/office/powerpoint/2010/main">
+    <mc:Choice Requires="p14">
       <p:transition spd="slow" p14:dur="1300">
         <p14:pan dir="u"/>
       </p:transition>
     </mc:Choice>
-    <mc:Fallback>
+    <mc:Fallback xmlns="">
       <p:transition spd="slow">
         <p:fade/>
       </p:transition>
@@ -13151,7 +13169,7 @@
                 <a:pPr indent="609600" algn="just" fontAlgn="auto">
                   <a:extLst>
                     <a:ext uri="{35155182-B16C-46BC-9424-99874614C6A1}">
-                      <wpsdc:indentchars xmlns:wpsdc="http://www.wps.cn/officeDocument/2017/drawingmlCustomData" xmlns="" val="200" checksum="4158780845"/>
+                      <wpsdc:indentchars xmlns="" xmlns:wpsdc="http://www.wps.cn/officeDocument/2017/drawingmlCustomData" val="200" checksum="4158780845"/>
                     </a:ext>
                   </a:extLst>
                 </a:pPr>
@@ -13168,7 +13186,7 @@
                 <a:pPr indent="609600" algn="just" fontAlgn="auto">
                   <a:extLst>
                     <a:ext uri="{35155182-B16C-46BC-9424-99874614C6A1}">
-                      <wpsdc:indentchars xmlns:wpsdc="http://www.wps.cn/officeDocument/2017/drawingmlCustomData" xmlns="" val="200" checksum="4158780845"/>
+                      <wpsdc:indentchars xmlns="" xmlns:wpsdc="http://www.wps.cn/officeDocument/2017/drawingmlCustomData" val="200" checksum="4158780845"/>
                     </a:ext>
                   </a:extLst>
                 </a:pPr>
@@ -13328,13 +13346,13 @@
   <p:clrMapOvr>
     <a:masterClrMapping/>
   </p:clrMapOvr>
-  <mc:AlternateContent xmlns:mc="http://schemas.openxmlformats.org/markup-compatibility/2006">
-    <mc:Choice xmlns:p14="http://schemas.microsoft.com/office/powerpoint/2010/main" Requires="p14">
+  <mc:AlternateContent xmlns:mc="http://schemas.openxmlformats.org/markup-compatibility/2006" xmlns:p14="http://schemas.microsoft.com/office/powerpoint/2010/main">
+    <mc:Choice Requires="p14">
       <p:transition spd="slow" p14:dur="1300">
         <p14:pan dir="u"/>
       </p:transition>
     </mc:Choice>
-    <mc:Fallback>
+    <mc:Fallback xmlns="">
       <p:transition spd="slow">
         <p:fade/>
       </p:transition>
@@ -15107,13 +15125,13 @@
   <p:clrMapOvr>
     <a:masterClrMapping/>
   </p:clrMapOvr>
-  <mc:AlternateContent xmlns:mc="http://schemas.openxmlformats.org/markup-compatibility/2006">
-    <mc:Choice xmlns:p14="http://schemas.microsoft.com/office/powerpoint/2010/main" Requires="p14">
+  <mc:AlternateContent xmlns:mc="http://schemas.openxmlformats.org/markup-compatibility/2006" xmlns:p14="http://schemas.microsoft.com/office/powerpoint/2010/main">
+    <mc:Choice Requires="p14">
       <p:transition spd="slow" p14:dur="1300">
         <p14:pan dir="u"/>
       </p:transition>
     </mc:Choice>
-    <mc:Fallback>
+    <mc:Fallback xmlns="">
       <p:transition spd="slow">
         <p:fade/>
       </p:transition>
@@ -15271,7 +15289,7 @@
                   <a:defRPr/>
                   <a:extLst>
                     <a:ext uri="{35155182-B16C-46BC-9424-99874614C6A1}">
-                      <wpsdc:indentchars xmlns:wpsdc="http://www.wps.cn/officeDocument/2017/drawingmlCustomData" xmlns="" val="200" checksum="4158780845"/>
+                      <wpsdc:indentchars xmlns="" xmlns:wpsdc="http://www.wps.cn/officeDocument/2017/drawingmlCustomData" val="200" checksum="4158780845"/>
                     </a:ext>
                   </a:extLst>
                 </a:pPr>
@@ -15447,7 +15465,7 @@
                   <a:defRPr/>
                   <a:extLst>
                     <a:ext uri="{35155182-B16C-46BC-9424-99874614C6A1}">
-                      <wpsdc:indentchars xmlns:wpsdc="http://www.wps.cn/officeDocument/2017/drawingmlCustomData" xmlns="" val="200" checksum="4158780845"/>
+                      <wpsdc:indentchars xmlns="" xmlns:wpsdc="http://www.wps.cn/officeDocument/2017/drawingmlCustomData" val="200" checksum="4158780845"/>
                     </a:ext>
                   </a:extLst>
                 </a:pPr>
@@ -15711,7 +15729,7 @@
                   <a:defRPr/>
                   <a:extLst>
                     <a:ext uri="{35155182-B16C-46BC-9424-99874614C6A1}">
-                      <wpsdc:indentchars xmlns:wpsdc="http://www.wps.cn/officeDocument/2017/drawingmlCustomData" xmlns="" val="200" checksum="4158780845"/>
+                      <wpsdc:indentchars xmlns="" xmlns:wpsdc="http://www.wps.cn/officeDocument/2017/drawingmlCustomData" val="200" checksum="4158780845"/>
                     </a:ext>
                   </a:extLst>
                 </a:pPr>
@@ -16172,13 +16190,13 @@
   <p:clrMapOvr>
     <a:masterClrMapping/>
   </p:clrMapOvr>
-  <mc:AlternateContent xmlns:mc="http://schemas.openxmlformats.org/markup-compatibility/2006">
-    <mc:Choice xmlns:p14="http://schemas.microsoft.com/office/powerpoint/2010/main" Requires="p14">
+  <mc:AlternateContent xmlns:mc="http://schemas.openxmlformats.org/markup-compatibility/2006" xmlns:p14="http://schemas.microsoft.com/office/powerpoint/2010/main">
+    <mc:Choice Requires="p14">
       <p:transition spd="slow" p14:dur="1300">
         <p14:pan dir="u"/>
       </p:transition>
     </mc:Choice>
-    <mc:Fallback>
+    <mc:Fallback xmlns="">
       <p:transition spd="slow">
         <p:fade/>
       </p:transition>
@@ -16615,13 +16633,13 @@
   <p:clrMapOvr>
     <a:masterClrMapping/>
   </p:clrMapOvr>
-  <mc:AlternateContent xmlns:mc="http://schemas.openxmlformats.org/markup-compatibility/2006">
-    <mc:Choice xmlns:p14="http://schemas.microsoft.com/office/powerpoint/2010/main" Requires="p14">
+  <mc:AlternateContent xmlns:mc="http://schemas.openxmlformats.org/markup-compatibility/2006" xmlns:p14="http://schemas.microsoft.com/office/powerpoint/2010/main">
+    <mc:Choice Requires="p14">
       <p:transition spd="slow" p14:dur="1300">
         <p14:pan dir="u"/>
       </p:transition>
     </mc:Choice>
-    <mc:Fallback>
+    <mc:Fallback xmlns="">
       <p:transition spd="slow">
         <p:fade/>
       </p:transition>
@@ -18369,13 +18387,13 @@
   <p:clrMapOvr>
     <a:masterClrMapping/>
   </p:clrMapOvr>
-  <mc:AlternateContent xmlns:mc="http://schemas.openxmlformats.org/markup-compatibility/2006">
-    <mc:Choice xmlns:p14="http://schemas.microsoft.com/office/powerpoint/2010/main" Requires="p14">
+  <mc:AlternateContent xmlns:mc="http://schemas.openxmlformats.org/markup-compatibility/2006" xmlns:p14="http://schemas.microsoft.com/office/powerpoint/2010/main">
+    <mc:Choice Requires="p14">
       <p:transition spd="slow" p14:dur="1300">
         <p14:pan dir="u"/>
       </p:transition>
     </mc:Choice>
-    <mc:Fallback>
+    <mc:Fallback xmlns="">
       <p:transition spd="slow">
         <p:fade/>
       </p:transition>
@@ -18701,13 +18719,13 @@
   <p:clrMapOvr>
     <a:masterClrMapping/>
   </p:clrMapOvr>
-  <mc:AlternateContent xmlns:mc="http://schemas.openxmlformats.org/markup-compatibility/2006">
-    <mc:Choice xmlns:p14="http://schemas.microsoft.com/office/powerpoint/2010/main" Requires="p14">
+  <mc:AlternateContent xmlns:mc="http://schemas.openxmlformats.org/markup-compatibility/2006" xmlns:p14="http://schemas.microsoft.com/office/powerpoint/2010/main">
+    <mc:Choice Requires="p14">
       <p:transition spd="slow" p14:dur="1300">
         <p14:pan dir="u"/>
       </p:transition>
     </mc:Choice>
-    <mc:Fallback>
+    <mc:Fallback xmlns="">
       <p:transition spd="slow">
         <p:fade/>
       </p:transition>
@@ -19272,13 +19290,13 @@
   <p:clrMapOvr>
     <a:masterClrMapping/>
   </p:clrMapOvr>
-  <mc:AlternateContent xmlns:mc="http://schemas.openxmlformats.org/markup-compatibility/2006">
-    <mc:Choice xmlns:p14="http://schemas.microsoft.com/office/powerpoint/2010/main" Requires="p14">
+  <mc:AlternateContent xmlns:mc="http://schemas.openxmlformats.org/markup-compatibility/2006" xmlns:p14="http://schemas.microsoft.com/office/powerpoint/2010/main">
+    <mc:Choice Requires="p14">
       <p:transition spd="slow" p14:dur="1300">
         <p14:pan dir="u"/>
       </p:transition>
     </mc:Choice>
-    <mc:Fallback>
+    <mc:Fallback xmlns="">
       <p:transition spd="slow">
         <p:fade/>
       </p:transition>
@@ -20011,13 +20029,13 @@
   <p:clrMapOvr>
     <a:masterClrMapping/>
   </p:clrMapOvr>
-  <mc:AlternateContent xmlns:mc="http://schemas.openxmlformats.org/markup-compatibility/2006">
-    <mc:Choice xmlns:p14="http://schemas.microsoft.com/office/powerpoint/2010/main" Requires="p14">
+  <mc:AlternateContent xmlns:mc="http://schemas.openxmlformats.org/markup-compatibility/2006" xmlns:p14="http://schemas.microsoft.com/office/powerpoint/2010/main">
+    <mc:Choice Requires="p14">
       <p:transition spd="slow" p14:dur="1300">
         <p14:pan dir="u"/>
       </p:transition>
     </mc:Choice>
-    <mc:Fallback>
+    <mc:Fallback xmlns="">
       <p:transition spd="slow">
         <p:fade/>
       </p:transition>
@@ -21204,13 +21222,13 @@
   <p:clrMapOvr>
     <a:masterClrMapping/>
   </p:clrMapOvr>
-  <mc:AlternateContent xmlns:mc="http://schemas.openxmlformats.org/markup-compatibility/2006">
-    <mc:Choice xmlns:p14="http://schemas.microsoft.com/office/powerpoint/2010/main" Requires="p14">
+  <mc:AlternateContent xmlns:mc="http://schemas.openxmlformats.org/markup-compatibility/2006" xmlns:p14="http://schemas.microsoft.com/office/powerpoint/2010/main">
+    <mc:Choice Requires="p14">
       <p:transition spd="slow" p14:dur="1300">
         <p14:pan dir="u"/>
       </p:transition>
     </mc:Choice>
-    <mc:Fallback>
+    <mc:Fallback xmlns="">
       <p:transition spd="slow">
         <p:fade/>
       </p:transition>
@@ -22397,13 +22415,13 @@
   <p:clrMapOvr>
     <a:masterClrMapping/>
   </p:clrMapOvr>
-  <mc:AlternateContent xmlns:mc="http://schemas.openxmlformats.org/markup-compatibility/2006">
-    <mc:Choice xmlns:p14="http://schemas.microsoft.com/office/powerpoint/2010/main" Requires="p14">
+  <mc:AlternateContent xmlns:mc="http://schemas.openxmlformats.org/markup-compatibility/2006" xmlns:p14="http://schemas.microsoft.com/office/powerpoint/2010/main">
+    <mc:Choice Requires="p14">
       <p:transition spd="slow" p14:dur="1300">
         <p14:pan dir="u"/>
       </p:transition>
     </mc:Choice>
-    <mc:Fallback>
+    <mc:Fallback xmlns="">
       <p:transition spd="slow">
         <p:fade/>
       </p:transition>
@@ -22897,13 +22915,13 @@
   <p:clrMapOvr>
     <a:masterClrMapping/>
   </p:clrMapOvr>
-  <mc:AlternateContent xmlns:mc="http://schemas.openxmlformats.org/markup-compatibility/2006">
-    <mc:Choice xmlns:p14="http://schemas.microsoft.com/office/powerpoint/2010/main" Requires="p14">
+  <mc:AlternateContent xmlns:mc="http://schemas.openxmlformats.org/markup-compatibility/2006" xmlns:p14="http://schemas.microsoft.com/office/powerpoint/2010/main">
+    <mc:Choice Requires="p14">
       <p:transition spd="slow" p14:dur="1300">
         <p14:pan dir="u"/>
       </p:transition>
     </mc:Choice>
-    <mc:Fallback>
+    <mc:Fallback xmlns="">
       <p:transition spd="slow">
         <p:fade/>
       </p:transition>
@@ -24651,13 +24669,13 @@
   <p:clrMapOvr>
     <a:masterClrMapping/>
   </p:clrMapOvr>
-  <mc:AlternateContent xmlns:mc="http://schemas.openxmlformats.org/markup-compatibility/2006">
-    <mc:Choice xmlns:p14="http://schemas.microsoft.com/office/powerpoint/2010/main" Requires="p14">
+  <mc:AlternateContent xmlns:mc="http://schemas.openxmlformats.org/markup-compatibility/2006" xmlns:p14="http://schemas.microsoft.com/office/powerpoint/2010/main">
+    <mc:Choice Requires="p14">
       <p:transition spd="slow" p14:dur="1300">
         <p14:pan dir="u"/>
       </p:transition>
     </mc:Choice>
-    <mc:Fallback>
+    <mc:Fallback xmlns="">
       <p:transition spd="slow">
         <p:fade/>
       </p:transition>
@@ -26405,13 +26423,13 @@
   <p:clrMapOvr>
     <a:masterClrMapping/>
   </p:clrMapOvr>
-  <mc:AlternateContent xmlns:mc="http://schemas.openxmlformats.org/markup-compatibility/2006">
-    <mc:Choice xmlns:p14="http://schemas.microsoft.com/office/powerpoint/2010/main" Requires="p14">
+  <mc:AlternateContent xmlns:mc="http://schemas.openxmlformats.org/markup-compatibility/2006" xmlns:p14="http://schemas.microsoft.com/office/powerpoint/2010/main">
+    <mc:Choice Requires="p14">
       <p:transition spd="slow" p14:dur="1300">
         <p14:pan dir="u"/>
       </p:transition>
     </mc:Choice>
-    <mc:Fallback>
+    <mc:Fallback xmlns="">
       <p:transition spd="slow">
         <p:fade/>
       </p:transition>
@@ -28835,13 +28853,13 @@
   <p:clrMapOvr>
     <a:masterClrMapping/>
   </p:clrMapOvr>
-  <mc:AlternateContent xmlns:mc="http://schemas.openxmlformats.org/markup-compatibility/2006">
-    <mc:Choice xmlns:p14="http://schemas.microsoft.com/office/powerpoint/2010/main" Requires="p14">
+  <mc:AlternateContent xmlns:mc="http://schemas.openxmlformats.org/markup-compatibility/2006" xmlns:p14="http://schemas.microsoft.com/office/powerpoint/2010/main">
+    <mc:Choice Requires="p14">
       <p:transition spd="slow" p14:dur="1300">
         <p14:pan dir="u"/>
       </p:transition>
     </mc:Choice>
-    <mc:Fallback>
+    <mc:Fallback xmlns="">
       <p:transition spd="slow">
         <p:fade/>
       </p:transition>
@@ -29197,13 +29215,13 @@
   <p:clrMapOvr>
     <a:masterClrMapping/>
   </p:clrMapOvr>
-  <mc:AlternateContent xmlns:mc="http://schemas.openxmlformats.org/markup-compatibility/2006">
-    <mc:Choice xmlns:p14="http://schemas.microsoft.com/office/powerpoint/2010/main" Requires="p14">
+  <mc:AlternateContent xmlns:mc="http://schemas.openxmlformats.org/markup-compatibility/2006" xmlns:p14="http://schemas.microsoft.com/office/powerpoint/2010/main">
+    <mc:Choice Requires="p14">
       <p:transition spd="slow" p14:dur="1300">
         <p14:pan dir="u"/>
       </p:transition>
     </mc:Choice>
-    <mc:Fallback>
+    <mc:Fallback xmlns="">
       <p:transition spd="slow">
         <p:fade/>
       </p:transition>
@@ -29381,8 +29399,8 @@
           </a:fontRef>
         </p:style>
       </p:cxnSp>
-      <mc:AlternateContent xmlns:mc="http://schemas.openxmlformats.org/markup-compatibility/2006">
-        <mc:Choice xmlns:a14="http://schemas.microsoft.com/office/drawing/2010/main" Requires="a14">
+      <mc:AlternateContent xmlns:mc="http://schemas.openxmlformats.org/markup-compatibility/2006" xmlns:a14="http://schemas.microsoft.com/office/drawing/2010/main">
+        <mc:Choice Requires="a14">
           <p:sp>
             <p:nvSpPr>
               <p:cNvPr id="12" name="文本框 11">
@@ -29572,7 +29590,7 @@
             </p:txBody>
           </p:sp>
         </mc:Choice>
-        <mc:Fallback>
+        <mc:Fallback xmlns="">
           <p:sp>
             <p:nvSpPr>
               <p:cNvPr id="12" name="文本框 11">
@@ -29698,13 +29716,13 @@
   <p:clrMapOvr>
     <a:masterClrMapping/>
   </p:clrMapOvr>
-  <mc:AlternateContent xmlns:mc="http://schemas.openxmlformats.org/markup-compatibility/2006">
-    <mc:Choice xmlns:p14="http://schemas.microsoft.com/office/powerpoint/2010/main" Requires="p14">
+  <mc:AlternateContent xmlns:mc="http://schemas.openxmlformats.org/markup-compatibility/2006" xmlns:p14="http://schemas.microsoft.com/office/powerpoint/2010/main">
+    <mc:Choice Requires="p14">
       <p:transition spd="slow" p14:dur="1300">
         <p14:pan dir="u"/>
       </p:transition>
     </mc:Choice>
-    <mc:Fallback>
+    <mc:Fallback xmlns="">
       <p:transition spd="slow">
         <p:fade/>
       </p:transition>
@@ -31452,13 +31470,13 @@
   <p:clrMapOvr>
     <a:masterClrMapping/>
   </p:clrMapOvr>
-  <mc:AlternateContent xmlns:mc="http://schemas.openxmlformats.org/markup-compatibility/2006">
-    <mc:Choice xmlns:p14="http://schemas.microsoft.com/office/powerpoint/2010/main" Requires="p14">
+  <mc:AlternateContent xmlns:mc="http://schemas.openxmlformats.org/markup-compatibility/2006" xmlns:p14="http://schemas.microsoft.com/office/powerpoint/2010/main">
+    <mc:Choice Requires="p14">
       <p:transition spd="slow" p14:dur="1300">
         <p14:pan dir="u"/>
       </p:transition>
     </mc:Choice>
-    <mc:Fallback>
+    <mc:Fallback xmlns="">
       <p:transition spd="slow">
         <p:fade/>
       </p:transition>
@@ -32810,13 +32828,13 @@
   <p:clrMapOvr>
     <a:masterClrMapping/>
   </p:clrMapOvr>
-  <mc:AlternateContent xmlns:mc="http://schemas.openxmlformats.org/markup-compatibility/2006">
-    <mc:Choice xmlns:p14="http://schemas.microsoft.com/office/powerpoint/2010/main" Requires="p14">
+  <mc:AlternateContent xmlns:mc="http://schemas.openxmlformats.org/markup-compatibility/2006" xmlns:p14="http://schemas.microsoft.com/office/powerpoint/2010/main">
+    <mc:Choice Requires="p14">
       <p:transition spd="slow" p14:dur="1300">
         <p14:pan dir="u"/>
       </p:transition>
     </mc:Choice>
-    <mc:Fallback>
+    <mc:Fallback xmlns="">
       <p:transition spd="slow">
         <p:fade/>
       </p:transition>
@@ -32981,8 +32999,8 @@
           </a:fontRef>
         </p:style>
       </p:cxnSp>
-      <mc:AlternateContent xmlns:mc="http://schemas.openxmlformats.org/markup-compatibility/2006">
-        <mc:Choice xmlns:a14="http://schemas.microsoft.com/office/drawing/2010/main" Requires="a14">
+      <mc:AlternateContent xmlns:mc="http://schemas.openxmlformats.org/markup-compatibility/2006" xmlns:a14="http://schemas.microsoft.com/office/drawing/2010/main">
+        <mc:Choice Requires="a14">
           <p:sp>
             <p:nvSpPr>
               <p:cNvPr id="14" name="文本框 13">
@@ -33221,7 +33239,7 @@
             </p:txBody>
           </p:sp>
         </mc:Choice>
-        <mc:Fallback>
+        <mc:Fallback xmlns="">
           <p:sp>
             <p:nvSpPr>
               <p:cNvPr id="14" name="文本框 13">
@@ -33340,13 +33358,13 @@
   <p:clrMapOvr>
     <a:masterClrMapping/>
   </p:clrMapOvr>
-  <mc:AlternateContent xmlns:mc="http://schemas.openxmlformats.org/markup-compatibility/2006">
-    <mc:Choice xmlns:p14="http://schemas.microsoft.com/office/powerpoint/2010/main" Requires="p14">
+  <mc:AlternateContent xmlns:mc="http://schemas.openxmlformats.org/markup-compatibility/2006" xmlns:p14="http://schemas.microsoft.com/office/powerpoint/2010/main">
+    <mc:Choice Requires="p14">
       <p:transition spd="slow" p14:dur="1300">
         <p14:pan dir="u"/>
       </p:transition>
     </mc:Choice>
-    <mc:Fallback>
+    <mc:Fallback xmlns="">
       <p:transition spd="slow">
         <p:fade/>
       </p:transition>
@@ -34311,13 +34329,13 @@
   <p:clrMapOvr>
     <a:masterClrMapping/>
   </p:clrMapOvr>
-  <mc:AlternateContent xmlns:mc="http://schemas.openxmlformats.org/markup-compatibility/2006">
-    <mc:Choice xmlns:p14="http://schemas.microsoft.com/office/powerpoint/2010/main" Requires="p14">
+  <mc:AlternateContent xmlns:mc="http://schemas.openxmlformats.org/markup-compatibility/2006" xmlns:p14="http://schemas.microsoft.com/office/powerpoint/2010/main">
+    <mc:Choice Requires="p14">
       <p:transition spd="slow" p14:dur="1300">
         <p14:pan dir="u"/>
       </p:transition>
     </mc:Choice>
-    <mc:Fallback>
+    <mc:Fallback xmlns="">
       <p:transition spd="slow">
         <p:fade/>
       </p:transition>
@@ -34727,8 +34745,8 @@
           </p:sp>
         </mc:Fallback>
       </mc:AlternateContent>
-      <mc:AlternateContent xmlns:mc="http://schemas.openxmlformats.org/markup-compatibility/2006">
-        <mc:Choice xmlns:a14="http://schemas.microsoft.com/office/drawing/2010/main" Requires="a14">
+      <mc:AlternateContent xmlns:mc="http://schemas.openxmlformats.org/markup-compatibility/2006" xmlns:a14="http://schemas.microsoft.com/office/drawing/2010/main">
+        <mc:Choice Requires="a14">
           <p:sp>
             <p:nvSpPr>
               <p:cNvPr id="29" name="文本框 28">
@@ -34831,7 +34849,7 @@
             </p:txBody>
           </p:sp>
         </mc:Choice>
-        <mc:Fallback>
+        <mc:Fallback xmlns="">
           <p:sp>
             <p:nvSpPr>
               <p:cNvPr id="29" name="文本框 28">
@@ -35206,13 +35224,13 @@
   <p:clrMapOvr>
     <a:masterClrMapping/>
   </p:clrMapOvr>
-  <mc:AlternateContent xmlns:mc="http://schemas.openxmlformats.org/markup-compatibility/2006">
-    <mc:Choice xmlns:p14="http://schemas.microsoft.com/office/powerpoint/2010/main" Requires="p14">
+  <mc:AlternateContent xmlns:mc="http://schemas.openxmlformats.org/markup-compatibility/2006" xmlns:p14="http://schemas.microsoft.com/office/powerpoint/2010/main">
+    <mc:Choice Requires="p14">
       <p:transition spd="slow" p14:dur="1300">
         <p14:pan dir="u"/>
       </p:transition>
     </mc:Choice>
-    <mc:Fallback>
+    <mc:Fallback xmlns="">
       <p:transition spd="slow">
         <p:fade/>
       </p:transition>
